--- a/SCReAM-description.pptx
+++ b/SCReAM-description.pptx
@@ -35,15 +35,15 @@
   <p:notesSz cx="7102475" cy="9388475"/>
   <p:embeddedFontLst>
     <p:embeddedFont>
-      <p:font typeface="Ericsson Capital TT" panose="02000503000000020004" pitchFamily="2" charset="0"/>
+      <p:font typeface="Calibri" panose="020F0502020204030204" pitchFamily="34" charset="0"/>
       <p:regular r:id="rId28"/>
+      <p:bold r:id="rId29"/>
+      <p:italic r:id="rId30"/>
+      <p:boldItalic r:id="rId31"/>
     </p:embeddedFont>
     <p:embeddedFont>
-      <p:font typeface="Calibri" panose="020F0502020204030204" pitchFamily="34" charset="0"/>
-      <p:regular r:id="rId29"/>
-      <p:bold r:id="rId30"/>
-      <p:italic r:id="rId31"/>
-      <p:boldItalic r:id="rId32"/>
+      <p:font typeface="Ericsson Capital TT" panose="02000503000000020004" pitchFamily="2" charset="0"/>
+      <p:regular r:id="rId32"/>
     </p:embeddedFont>
   </p:embeddedFontLst>
   <p:defaultTextStyle>
@@ -269,10 +269,6 @@
 </p:presentation>
 </file>
 
-<file path=ppt/revisionInfo.xml><?xml version="1.0" encoding="utf-8"?>
-<p1510:revInfo xmlns:a="http://schemas.openxmlformats.org/drawingml/2006/main" xmlns:r="http://schemas.openxmlformats.org/officeDocument/2006/relationships" xmlns:p1510="http://schemas.microsoft.com/office/powerpoint/2015/10/main"/>
-</file>
-
 <file path=ppt/handoutMasters/handoutMaster1.xml><?xml version="1.0" encoding="utf-8"?>
 <p:handoutMaster xmlns:a="http://schemas.openxmlformats.org/drawingml/2006/main" xmlns:r="http://schemas.openxmlformats.org/officeDocument/2006/relationships" xmlns:p="http://schemas.openxmlformats.org/presentationml/2006/main">
   <p:cSld>
@@ -6847,7 +6843,7 @@
           <a:p>
             <a:fld id="{131D7777-C4B2-4517-A17F-E811FBAABE43}" type="datetimeFigureOut">
               <a:rPr lang="en-US" smtClean="0"/>
-              <a:t>11/29/2017</a:t>
+              <a:t>9/6/2018</a:t>
             </a:fld>
             <a:endParaRPr lang="en-US"/>
           </a:p>
@@ -7015,7 +7011,7 @@
           <a:p>
             <a:fld id="{131D7777-C4B2-4517-A17F-E811FBAABE43}" type="datetimeFigureOut">
               <a:rPr lang="en-US" smtClean="0"/>
-              <a:t>11/29/2017</a:t>
+              <a:t>9/6/2018</a:t>
             </a:fld>
             <a:endParaRPr lang="en-US"/>
           </a:p>
@@ -7374,7 +7370,7 @@
           <a:p>
             <a:fld id="{131D7777-C4B2-4517-A17F-E811FBAABE43}" type="datetimeFigureOut">
               <a:rPr lang="en-US" smtClean="0"/>
-              <a:t>11/29/2017</a:t>
+              <a:t>9/6/2018</a:t>
             </a:fld>
             <a:endParaRPr lang="en-US"/>
           </a:p>
@@ -7659,7 +7655,7 @@
           <a:p>
             <a:fld id="{131D7777-C4B2-4517-A17F-E811FBAABE43}" type="datetimeFigureOut">
               <a:rPr lang="en-US" smtClean="0"/>
-              <a:t>11/29/2017</a:t>
+              <a:t>9/6/2018</a:t>
             </a:fld>
             <a:endParaRPr lang="en-US"/>
           </a:p>
@@ -8078,7 +8074,7 @@
           <a:p>
             <a:fld id="{131D7777-C4B2-4517-A17F-E811FBAABE43}" type="datetimeFigureOut">
               <a:rPr lang="en-US" smtClean="0"/>
-              <a:t>11/29/2017</a:t>
+              <a:t>9/6/2018</a:t>
             </a:fld>
             <a:endParaRPr lang="en-US"/>
           </a:p>
@@ -8195,7 +8191,7 @@
           <a:p>
             <a:fld id="{131D7777-C4B2-4517-A17F-E811FBAABE43}" type="datetimeFigureOut">
               <a:rPr lang="en-US" smtClean="0"/>
-              <a:t>11/29/2017</a:t>
+              <a:t>9/6/2018</a:t>
             </a:fld>
             <a:endParaRPr lang="en-US"/>
           </a:p>
@@ -8290,7 +8286,7 @@
           <a:p>
             <a:fld id="{131D7777-C4B2-4517-A17F-E811FBAABE43}" type="datetimeFigureOut">
               <a:rPr lang="en-US" smtClean="0"/>
-              <a:t>11/29/2017</a:t>
+              <a:t>9/6/2018</a:t>
             </a:fld>
             <a:endParaRPr lang="en-US"/>
           </a:p>
@@ -8565,7 +8561,7 @@
           <a:p>
             <a:fld id="{131D7777-C4B2-4517-A17F-E811FBAABE43}" type="datetimeFigureOut">
               <a:rPr lang="en-US" smtClean="0"/>
-              <a:t>11/29/2017</a:t>
+              <a:t>9/6/2018</a:t>
             </a:fld>
             <a:endParaRPr lang="en-US"/>
           </a:p>
@@ -8817,7 +8813,7 @@
           <a:p>
             <a:fld id="{131D7777-C4B2-4517-A17F-E811FBAABE43}" type="datetimeFigureOut">
               <a:rPr lang="en-US" smtClean="0"/>
-              <a:t>11/29/2017</a:t>
+              <a:t>9/6/2018</a:t>
             </a:fld>
             <a:endParaRPr lang="en-US"/>
           </a:p>
@@ -8985,7 +8981,7 @@
           <a:p>
             <a:fld id="{131D7777-C4B2-4517-A17F-E811FBAABE43}" type="datetimeFigureOut">
               <a:rPr lang="en-US" smtClean="0"/>
-              <a:t>11/29/2017</a:t>
+              <a:t>9/6/2018</a:t>
             </a:fld>
             <a:endParaRPr lang="en-US"/>
           </a:p>
@@ -9163,7 +9159,7 @@
           <a:p>
             <a:fld id="{131D7777-C4B2-4517-A17F-E811FBAABE43}" type="datetimeFigureOut">
               <a:rPr lang="en-US" smtClean="0"/>
-              <a:t>11/29/2017</a:t>
+              <a:t>9/6/2018</a:t>
             </a:fld>
             <a:endParaRPr lang="en-US"/>
           </a:p>
@@ -9280,7 +9276,7 @@
           <a:p>
             <a:fld id="{131D7777-C4B2-4517-A17F-E811FBAABE43}" type="datetimeFigureOut">
               <a:rPr lang="en-US" smtClean="0"/>
-              <a:t>11/29/2017</a:t>
+              <a:t>9/6/2018</a:t>
             </a:fld>
             <a:endParaRPr lang="en-US"/>
           </a:p>
@@ -9689,7 +9685,7 @@
           <a:p>
             <a:fld id="{43581BC8-BF58-41F6-BDED-0AC86F44284F}" type="datetimeFigureOut">
               <a:rPr lang="en-US" smtClean="0"/>
-              <a:t>11/29/2017</a:t>
+              <a:t>9/6/2018</a:t>
             </a:fld>
             <a:endParaRPr lang="en-US"/>
           </a:p>
@@ -9857,7 +9853,7 @@
           <a:p>
             <a:fld id="{43581BC8-BF58-41F6-BDED-0AC86F44284F}" type="datetimeFigureOut">
               <a:rPr lang="en-US" smtClean="0"/>
-              <a:t>11/29/2017</a:t>
+              <a:t>9/6/2018</a:t>
             </a:fld>
             <a:endParaRPr lang="en-US"/>
           </a:p>
@@ -10102,7 +10098,7 @@
           <a:p>
             <a:fld id="{43581BC8-BF58-41F6-BDED-0AC86F44284F}" type="datetimeFigureOut">
               <a:rPr lang="en-US" smtClean="0"/>
-              <a:t>11/29/2017</a:t>
+              <a:t>9/6/2018</a:t>
             </a:fld>
             <a:endParaRPr lang="en-US"/>
           </a:p>
@@ -10387,7 +10383,7 @@
           <a:p>
             <a:fld id="{43581BC8-BF58-41F6-BDED-0AC86F44284F}" type="datetimeFigureOut">
               <a:rPr lang="en-US" smtClean="0"/>
-              <a:t>11/29/2017</a:t>
+              <a:t>9/6/2018</a:t>
             </a:fld>
             <a:endParaRPr lang="en-US"/>
           </a:p>
@@ -10806,7 +10802,7 @@
           <a:p>
             <a:fld id="{43581BC8-BF58-41F6-BDED-0AC86F44284F}" type="datetimeFigureOut">
               <a:rPr lang="en-US" smtClean="0"/>
-              <a:t>11/29/2017</a:t>
+              <a:t>9/6/2018</a:t>
             </a:fld>
             <a:endParaRPr lang="en-US"/>
           </a:p>
@@ -10923,7 +10919,7 @@
           <a:p>
             <a:fld id="{43581BC8-BF58-41F6-BDED-0AC86F44284F}" type="datetimeFigureOut">
               <a:rPr lang="en-US" smtClean="0"/>
-              <a:t>11/29/2017</a:t>
+              <a:t>9/6/2018</a:t>
             </a:fld>
             <a:endParaRPr lang="en-US"/>
           </a:p>
@@ -11018,7 +11014,7 @@
           <a:p>
             <a:fld id="{43581BC8-BF58-41F6-BDED-0AC86F44284F}" type="datetimeFigureOut">
               <a:rPr lang="en-US" smtClean="0"/>
-              <a:t>11/29/2017</a:t>
+              <a:t>9/6/2018</a:t>
             </a:fld>
             <a:endParaRPr lang="en-US"/>
           </a:p>
@@ -11293,7 +11289,7 @@
           <a:p>
             <a:fld id="{43581BC8-BF58-41F6-BDED-0AC86F44284F}" type="datetimeFigureOut">
               <a:rPr lang="en-US" smtClean="0"/>
-              <a:t>11/29/2017</a:t>
+              <a:t>9/6/2018</a:t>
             </a:fld>
             <a:endParaRPr lang="en-US"/>
           </a:p>
@@ -11545,7 +11541,7 @@
           <a:p>
             <a:fld id="{43581BC8-BF58-41F6-BDED-0AC86F44284F}" type="datetimeFigureOut">
               <a:rPr lang="en-US" smtClean="0"/>
-              <a:t>11/29/2017</a:t>
+              <a:t>9/6/2018</a:t>
             </a:fld>
             <a:endParaRPr lang="en-US"/>
           </a:p>
@@ -11713,7 +11709,7 @@
           <a:p>
             <a:fld id="{43581BC8-BF58-41F6-BDED-0AC86F44284F}" type="datetimeFigureOut">
               <a:rPr lang="en-US" smtClean="0"/>
-              <a:t>11/29/2017</a:t>
+              <a:t>9/6/2018</a:t>
             </a:fld>
             <a:endParaRPr lang="en-US"/>
           </a:p>
@@ -12119,7 +12115,7 @@
           <a:p>
             <a:fld id="{43581BC8-BF58-41F6-BDED-0AC86F44284F}" type="datetimeFigureOut">
               <a:rPr lang="en-US" smtClean="0"/>
-              <a:t>11/29/2017</a:t>
+              <a:t>9/6/2018</a:t>
             </a:fld>
             <a:endParaRPr lang="en-US"/>
           </a:p>
@@ -14251,7 +14247,7 @@
           <a:p>
             <a:fld id="{131D7777-C4B2-4517-A17F-E811FBAABE43}" type="datetimeFigureOut">
               <a:rPr lang="en-US" smtClean="0"/>
-              <a:t>11/29/2017</a:t>
+              <a:t>9/6/2018</a:t>
             </a:fld>
             <a:endParaRPr lang="en-US"/>
           </a:p>
@@ -14760,7 +14756,7 @@
           <a:p>
             <a:fld id="{43581BC8-BF58-41F6-BDED-0AC86F44284F}" type="datetimeFigureOut">
               <a:rPr lang="en-US" smtClean="0"/>
-              <a:t>11/29/2017</a:t>
+              <a:t>9/6/2018</a:t>
             </a:fld>
             <a:endParaRPr lang="en-US"/>
           </a:p>
@@ -15470,7 +15466,7 @@
 </file>
 
 <file path=ppt/slides/slide12.xml><?xml version="1.0" encoding="utf-8"?>
-<p:sld xmlns:a="http://schemas.openxmlformats.org/drawingml/2006/main" xmlns:r="http://schemas.openxmlformats.org/officeDocument/2006/relationships" xmlns:p="http://schemas.openxmlformats.org/presentationml/2006/main">
+<p:sld xmlns:a="http://schemas.openxmlformats.org/drawingml/2006/main" xmlns:r="http://schemas.openxmlformats.org/officeDocument/2006/relationships" xmlns:p="http://schemas.openxmlformats.org/presentationml/2006/main" show="0">
   <p:cSld>
     <p:spTree>
       <p:nvGrpSpPr>
@@ -15701,7 +15697,7 @@
           <a:p>
             <a:r>
               <a:rPr lang="en-US" dirty="0" err="1"/>
-              <a:t>createFeedback</a:t>
+              <a:t>createStandardizedFeedback</a:t>
             </a:r>
             <a:r>
               <a:rPr lang="en-US" dirty="0"/>
@@ -15841,7 +15837,7 @@
           <a:graphicData uri="http://schemas.openxmlformats.org/presentationml/2006/ole">
             <mc:AlternateContent xmlns:mc="http://schemas.openxmlformats.org/markup-compatibility/2006">
               <mc:Choice xmlns:v="urn:schemas-microsoft-com:vml" Requires="v">
-                <p:oleObj spid="_x0000_s14396" name="Visio" r:id="rId4" imgW="3791046" imgH="2171700" progId="Visio.Drawing.11">
+                <p:oleObj spid="_x0000_s14398" name="Visio" r:id="rId4" imgW="3791046" imgH="2171700" progId="Visio.Drawing.11">
                   <p:embed/>
                 </p:oleObj>
               </mc:Choice>
@@ -16050,7 +16046,7 @@
 </file>
 
 <file path=ppt/slides/slide16.xml><?xml version="1.0" encoding="utf-8"?>
-<p:sld xmlns:a="http://schemas.openxmlformats.org/drawingml/2006/main" xmlns:r="http://schemas.openxmlformats.org/officeDocument/2006/relationships" xmlns:p="http://schemas.openxmlformats.org/presentationml/2006/main">
+<p:sld xmlns:a="http://schemas.openxmlformats.org/drawingml/2006/main" xmlns:r="http://schemas.openxmlformats.org/officeDocument/2006/relationships" xmlns:p="http://schemas.openxmlformats.org/presentationml/2006/main" show="0">
   <p:cSld>
     <p:spTree>
       <p:nvGrpSpPr>
@@ -16653,8 +16649,22 @@
             </a:r>
             <a:r>
               <a:rPr lang="en-US" sz="900" noProof="0" dirty="0"/>
-              <a:t> paper [2] and [3] explains the rationale behind the design of the algorithm in more detail. A comparison against GCC (Google Congestion Control) is shown in [4].</a:t>
-            </a:r>
+              <a:t> paper [2] and [3] explains the rationale behind the design of the algorithm in more detail. A comparison against GCC (Google Congestion Control) is shown in [4]. </a:t>
+            </a:r>
+          </a:p>
+          <a:p>
+            <a:pPr marL="0" indent="0">
+              <a:buNone/>
+            </a:pPr>
+            <a:r>
+              <a:rPr lang="en-US" sz="900" dirty="0" err="1"/>
+              <a:t>SCReAM</a:t>
+            </a:r>
+            <a:r>
+              <a:rPr lang="en-US" sz="900" dirty="0"/>
+              <a:t> and its use in a remote control application is explained in [5].</a:t>
+            </a:r>
+            <a:endParaRPr lang="en-US" sz="900" noProof="0" dirty="0"/>
           </a:p>
           <a:p>
             <a:pPr marL="0" indent="0">
@@ -16839,6 +16849,15 @@
             <a:r>
               <a:rPr lang="en-US" sz="900" dirty="0"/>
               <a:t>[4] IETF RMCAT presentation, comparison against Google Congestion Control (GCC) http://www.ietf.org/proceedings/90/slides/slides-90-rmcat-3.pdf </a:t>
+            </a:r>
+          </a:p>
+          <a:p>
+            <a:pPr marL="0" indent="0">
+              <a:buNone/>
+            </a:pPr>
+            <a:r>
+              <a:rPr lang="en-US" sz="900" dirty="0"/>
+              <a:t>[5] https://www.hindawi.com/journals/wcmc/2018/3142496/</a:t>
             </a:r>
           </a:p>
           <a:p>
@@ -16996,7 +17015,7 @@
           <a:graphicData uri="http://schemas.openxmlformats.org/presentationml/2006/ole">
             <mc:AlternateContent xmlns:mc="http://schemas.openxmlformats.org/markup-compatibility/2006">
               <mc:Choice xmlns:v="urn:schemas-microsoft-com:vml" Requires="v">
-                <p:oleObj spid="_x0000_s15414" name="Visio" r:id="rId4" imgW="2533577" imgH="3257685" progId="Visio.Drawing.11">
+                <p:oleObj spid="_x0000_s15416" name="Visio" r:id="rId4" imgW="2533577" imgH="3257685" progId="Visio.Drawing.11">
                   <p:embed/>
                 </p:oleObj>
               </mc:Choice>
@@ -17842,7 +17861,7 @@
           <a:p>
             <a:r>
               <a:rPr lang="en-US" dirty="0" err="1"/>
-              <a:t>incomingFeedback</a:t>
+              <a:t>incomingStandardizedFeedback</a:t>
             </a:r>
             <a:r>
               <a:rPr lang="en-US" dirty="0"/>
@@ -18098,7 +18117,7 @@
           <a:graphicData uri="http://schemas.openxmlformats.org/presentationml/2006/ole">
             <mc:AlternateContent xmlns:mc="http://schemas.openxmlformats.org/markup-compatibility/2006">
               <mc:Choice xmlns:v="urn:schemas-microsoft-com:vml" Requires="v">
-                <p:oleObj spid="_x0000_s13376" name="Visio" r:id="rId4" imgW="5591212" imgH="7210357" progId="Visio.Drawing.11">
+                <p:oleObj spid="_x0000_s13378" name="Visio" r:id="rId4" imgW="5591212" imgH="7210357" progId="Visio.Drawing.11">
                   <p:embed/>
                 </p:oleObj>
               </mc:Choice>
@@ -19738,6 +19757,11 @@
 
 <file path=customXml/item1.xml><?xml version="1.0" encoding="utf-8"?>
 <?mso-contentType ?>
+<SharedContentType xmlns="Microsoft.SharePoint.Taxonomy.ContentTypeSync" SourceId="0e710d51-58b4-4530-836b-fce5679fe049" ContentTypeId="0x010100BB337192E63E44A7A744CE7393F41F4E" PreviousValue="false"/>
+</file>
+
+<file path=customXml/item2.xml><?xml version="1.0" encoding="utf-8"?>
+<?mso-contentType ?>
 <FormTemplates xmlns="http://schemas.microsoft.com/sharepoint/v3/contenttype/forms">
   <Display>DocumentLibraryForm</Display>
   <Edit>DocumentLibraryForm</Edit>
@@ -19745,44 +19769,8 @@
 </FormTemplates>
 </file>
 
-<file path=customXml/item2.xml><?xml version="1.0" encoding="utf-8"?>
-<?mso-contentType ?>
-<SharedContentType xmlns="Microsoft.SharePoint.Taxonomy.ContentTypeSync" SourceId="0e710d51-58b4-4530-836b-fce5679fe049" ContentTypeId="0x010100BB337192E63E44A7A744CE7393F41F4E" PreviousValue="false"/>
-</file>
-
 <file path=customXml/item3.xml><?xml version="1.0" encoding="utf-8"?>
-<p:properties xmlns:p="http://schemas.microsoft.com/office/2006/metadata/properties" xmlns:xsi="http://www.w3.org/2001/XMLSchema-instance" xmlns:pc="http://schemas.microsoft.com/office/infopath/2007/PartnerControls">
-  <documentManagement>
-    <EriCOLLDate. xmlns="133668b2-538e-4d86-9865-3bb549191f91">2013-11-07</EriCOLLDate.>
-    <EriCOLLOrganizationUnitTaxHTField0 xmlns="133668b2-538e-4d86-9865-3bb549191f91">
-      <Terms xmlns="http://schemas.microsoft.com/office/infopath/2007/PartnerControls"/>
-    </EriCOLLOrganizationUnitTaxHTField0>
-    <EriCOLLCompetenceTaxHTField0 xmlns="133668b2-538e-4d86-9865-3bb549191f91">
-      <Terms xmlns="http://schemas.microsoft.com/office/infopath/2007/PartnerControls"/>
-    </EriCOLLCompetenceTaxHTField0>
-    <EriCOLLCountryTaxHTField0 xmlns="133668b2-538e-4d86-9865-3bb549191f91">
-      <Terms xmlns="http://schemas.microsoft.com/office/infopath/2007/PartnerControls"/>
-    </EriCOLLCountryTaxHTField0>
-    <EriCOLLProcessTaxHTField0 xmlns="133668b2-538e-4d86-9865-3bb549191f91">
-      <Terms xmlns="http://schemas.microsoft.com/office/infopath/2007/PartnerControls"/>
-    </EriCOLLProcessTaxHTField0>
-    <Prepared. xmlns="133668b2-538e-4d86-9865-3bb549191f91">etxelor</Prepared.>
-    <EriCOLLCategoryTaxHTField0 xmlns="133668b2-538e-4d86-9865-3bb549191f91">
-      <Terms xmlns="http://schemas.microsoft.com/office/infopath/2007/PartnerControls"/>
-    </EriCOLLCategoryTaxHTField0>
-    <EriCOLLProductsTaxHTField0 xmlns="133668b2-538e-4d86-9865-3bb549191f91">
-      <Terms xmlns="http://schemas.microsoft.com/office/infopath/2007/PartnerControls"/>
-    </EriCOLLProductsTaxHTField0>
-    <TaxCatchAll xmlns="08b2df90-05d3-4030-90d4-c9feeb4a1cd9"/>
-    <TaxKeywordTaxHTField xmlns="08b2df90-05d3-4030-90d4-c9feeb4a1cd9">
-      <Terms xmlns="http://schemas.microsoft.com/office/infopath/2007/PartnerControls"/>
-    </TaxKeywordTaxHTField>
-    <AbstractOrSummary. xmlns="133668b2-538e-4d86-9865-3bb549191f91" xsi:nil="true"/>
-    <EriCOLLProjectsTaxHTField0 xmlns="133668b2-538e-4d86-9865-3bb549191f91">
-      <Terms xmlns="http://schemas.microsoft.com/office/infopath/2007/PartnerControls"/>
-    </EriCOLLProjectsTaxHTField0>
-  </documentManagement>
-</p:properties>
+<LongProperties xmlns="http://schemas.microsoft.com/office/2006/metadata/longProperties"/>
 </file>
 
 <file path=customXml/item4.xml><?xml version="1.0" encoding="utf-8"?>
@@ -20021,10 +20009,49 @@
 </file>
 
 <file path=customXml/item5.xml><?xml version="1.0" encoding="utf-8"?>
-<LongProperties xmlns="http://schemas.microsoft.com/office/2006/metadata/longProperties"/>
+<p:properties xmlns:p="http://schemas.microsoft.com/office/2006/metadata/properties" xmlns:xsi="http://www.w3.org/2001/XMLSchema-instance" xmlns:pc="http://schemas.microsoft.com/office/infopath/2007/PartnerControls">
+  <documentManagement>
+    <EriCOLLDate. xmlns="133668b2-538e-4d86-9865-3bb549191f91">2013-11-07</EriCOLLDate.>
+    <EriCOLLOrganizationUnitTaxHTField0 xmlns="133668b2-538e-4d86-9865-3bb549191f91">
+      <Terms xmlns="http://schemas.microsoft.com/office/infopath/2007/PartnerControls"/>
+    </EriCOLLOrganizationUnitTaxHTField0>
+    <EriCOLLCompetenceTaxHTField0 xmlns="133668b2-538e-4d86-9865-3bb549191f91">
+      <Terms xmlns="http://schemas.microsoft.com/office/infopath/2007/PartnerControls"/>
+    </EriCOLLCompetenceTaxHTField0>
+    <EriCOLLCountryTaxHTField0 xmlns="133668b2-538e-4d86-9865-3bb549191f91">
+      <Terms xmlns="http://schemas.microsoft.com/office/infopath/2007/PartnerControls"/>
+    </EriCOLLCountryTaxHTField0>
+    <EriCOLLProcessTaxHTField0 xmlns="133668b2-538e-4d86-9865-3bb549191f91">
+      <Terms xmlns="http://schemas.microsoft.com/office/infopath/2007/PartnerControls"/>
+    </EriCOLLProcessTaxHTField0>
+    <Prepared. xmlns="133668b2-538e-4d86-9865-3bb549191f91">etxelor</Prepared.>
+    <EriCOLLCategoryTaxHTField0 xmlns="133668b2-538e-4d86-9865-3bb549191f91">
+      <Terms xmlns="http://schemas.microsoft.com/office/infopath/2007/PartnerControls"/>
+    </EriCOLLCategoryTaxHTField0>
+    <EriCOLLProductsTaxHTField0 xmlns="133668b2-538e-4d86-9865-3bb549191f91">
+      <Terms xmlns="http://schemas.microsoft.com/office/infopath/2007/PartnerControls"/>
+    </EriCOLLProductsTaxHTField0>
+    <TaxCatchAll xmlns="08b2df90-05d3-4030-90d4-c9feeb4a1cd9"/>
+    <TaxKeywordTaxHTField xmlns="08b2df90-05d3-4030-90d4-c9feeb4a1cd9">
+      <Terms xmlns="http://schemas.microsoft.com/office/infopath/2007/PartnerControls"/>
+    </TaxKeywordTaxHTField>
+    <AbstractOrSummary. xmlns="133668b2-538e-4d86-9865-3bb549191f91" xsi:nil="true"/>
+    <EriCOLLProjectsTaxHTField0 xmlns="133668b2-538e-4d86-9865-3bb549191f91">
+      <Terms xmlns="http://schemas.microsoft.com/office/infopath/2007/PartnerControls"/>
+    </EriCOLLProjectsTaxHTField0>
+  </documentManagement>
+</p:properties>
 </file>
 
 <file path=customXml/itemProps1.xml><?xml version="1.0" encoding="utf-8"?>
+<ds:datastoreItem xmlns:ds="http://schemas.openxmlformats.org/officeDocument/2006/customXml" ds:itemID="{15E377A3-4A75-4B70-BEBA-132677E721B4}">
+  <ds:schemaRefs>
+    <ds:schemaRef ds:uri="Microsoft.SharePoint.Taxonomy.ContentTypeSync"/>
+  </ds:schemaRefs>
+</ds:datastoreItem>
+</file>
+
+<file path=customXml/itemProps2.xml><?xml version="1.0" encoding="utf-8"?>
 <ds:datastoreItem xmlns:ds="http://schemas.openxmlformats.org/officeDocument/2006/customXml" ds:itemID="{1B9E46BB-AA62-4B64-8576-57BCEEF229F3}">
   <ds:schemaRefs>
     <ds:schemaRef ds:uri="http://schemas.microsoft.com/sharepoint/v3/contenttype/forms"/>
@@ -20032,27 +20059,10 @@
 </ds:datastoreItem>
 </file>
 
-<file path=customXml/itemProps2.xml><?xml version="1.0" encoding="utf-8"?>
-<ds:datastoreItem xmlns:ds="http://schemas.openxmlformats.org/officeDocument/2006/customXml" ds:itemID="{15E377A3-4A75-4B70-BEBA-132677E721B4}">
+<file path=customXml/itemProps3.xml><?xml version="1.0" encoding="utf-8"?>
+<ds:datastoreItem xmlns:ds="http://schemas.openxmlformats.org/officeDocument/2006/customXml" ds:itemID="{C5FB17D6-45D0-4178-9F54-BD5434146313}">
   <ds:schemaRefs>
-    <ds:schemaRef ds:uri="Microsoft.SharePoint.Taxonomy.ContentTypeSync"/>
-  </ds:schemaRefs>
-</ds:datastoreItem>
-</file>
-
-<file path=customXml/itemProps3.xml><?xml version="1.0" encoding="utf-8"?>
-<ds:datastoreItem xmlns:ds="http://schemas.openxmlformats.org/officeDocument/2006/customXml" ds:itemID="{6EA7EFB2-BCCD-4045-902D-D285FE79B7BB}">
-  <ds:schemaRefs>
-    <ds:schemaRef ds:uri="http://purl.org/dc/terms/"/>
-    <ds:schemaRef ds:uri="http://purl.org/dc/dcmitype/"/>
-    <ds:schemaRef ds:uri="http://schemas.openxmlformats.org/package/2006/metadata/core-properties"/>
-    <ds:schemaRef ds:uri="133668b2-538e-4d86-9865-3bb549191f91"/>
-    <ds:schemaRef ds:uri="http://schemas.microsoft.com/office/2006/documentManagement/types"/>
-    <ds:schemaRef ds:uri="http://purl.org/dc/elements/1.1/"/>
-    <ds:schemaRef ds:uri="http://schemas.microsoft.com/office/infopath/2007/PartnerControls"/>
-    <ds:schemaRef ds:uri="08b2df90-05d3-4030-90d4-c9feeb4a1cd9"/>
-    <ds:schemaRef ds:uri="http://schemas.microsoft.com/office/2006/metadata/properties"/>
-    <ds:schemaRef ds:uri="http://www.w3.org/XML/1998/namespace"/>
+    <ds:schemaRef ds:uri="http://schemas.microsoft.com/office/2006/metadata/longProperties"/>
   </ds:schemaRefs>
 </ds:datastoreItem>
 </file>
@@ -20077,9 +20087,18 @@
 </file>
 
 <file path=customXml/itemProps5.xml><?xml version="1.0" encoding="utf-8"?>
-<ds:datastoreItem xmlns:ds="http://schemas.openxmlformats.org/officeDocument/2006/customXml" ds:itemID="{C5FB17D6-45D0-4178-9F54-BD5434146313}">
+<ds:datastoreItem xmlns:ds="http://schemas.openxmlformats.org/officeDocument/2006/customXml" ds:itemID="{6EA7EFB2-BCCD-4045-902D-D285FE79B7BB}">
   <ds:schemaRefs>
-    <ds:schemaRef ds:uri="http://schemas.microsoft.com/office/2006/metadata/longProperties"/>
+    <ds:schemaRef ds:uri="http://purl.org/dc/terms/"/>
+    <ds:schemaRef ds:uri="http://purl.org/dc/dcmitype/"/>
+    <ds:schemaRef ds:uri="http://schemas.openxmlformats.org/package/2006/metadata/core-properties"/>
+    <ds:schemaRef ds:uri="133668b2-538e-4d86-9865-3bb549191f91"/>
+    <ds:schemaRef ds:uri="http://schemas.microsoft.com/office/2006/documentManagement/types"/>
+    <ds:schemaRef ds:uri="http://purl.org/dc/elements/1.1/"/>
+    <ds:schemaRef ds:uri="http://schemas.microsoft.com/office/infopath/2007/PartnerControls"/>
+    <ds:schemaRef ds:uri="08b2df90-05d3-4030-90d4-c9feeb4a1cd9"/>
+    <ds:schemaRef ds:uri="http://schemas.microsoft.com/office/2006/metadata/properties"/>
+    <ds:schemaRef ds:uri="http://www.w3.org/XML/1998/namespace"/>
   </ds:schemaRefs>
 </ds:datastoreItem>
 </file>